--- a/PHP/PPT/3 - Formation PHP -le protocole HTTP.pptx
+++ b/PHP/PPT/3 - Formation PHP -le protocole HTTP.pptx
@@ -208,7 +208,7 @@
           <a:p>
             <a:fld id="{7E0382DC-03BB-4DA5-8FDD-921109285244}" type="datetimeFigureOut">
               <a:rPr lang="fr-FR" smtClean="0"/>
-              <a:t>08/12/2015</a:t>
+              <a:t>15/12/2016</a:t>
             </a:fld>
             <a:endParaRPr lang="fr-FR"/>
           </a:p>
@@ -274,7 +274,7 @@
           <a:p>
             <a:fld id="{1F72861D-83A5-4B09-9317-6C9EE4A8F674}" type="slidenum">
               <a:rPr lang="fr-FR" smtClean="0"/>
-              <a:t>‹N°›</a:t>
+              <a:t>‹#›</a:t>
             </a:fld>
             <a:endParaRPr lang="fr-FR"/>
           </a:p>
@@ -374,7 +374,7 @@
           <a:p>
             <a:fld id="{389D4A9C-97F0-421E-BA4F-D67C6EA9E76C}" type="datetimeFigureOut">
               <a:rPr lang="fr-FR" smtClean="0"/>
-              <a:t>08/12/2015</a:t>
+              <a:t>15/12/2016</a:t>
             </a:fld>
             <a:endParaRPr lang="fr-FR"/>
           </a:p>
@@ -533,7 +533,7 @@
           <a:p>
             <a:fld id="{B8C2C029-268C-41B7-93F7-272C3F336A6D}" type="slidenum">
               <a:rPr lang="fr-FR" smtClean="0"/>
-              <a:t>‹N°›</a:t>
+              <a:t>‹#›</a:t>
             </a:fld>
             <a:endParaRPr lang="fr-FR"/>
           </a:p>
@@ -826,7 +826,7 @@
           <a:p>
             <a:fld id="{D028C1AA-BF05-477F-A770-8B89FAEAA0EB}" type="datetime1">
               <a:rPr lang="en-US" smtClean="0"/>
-              <a:t>12/8/2015</a:t>
+              <a:t>12/15/16</a:t>
             </a:fld>
             <a:endParaRPr lang="en-US" dirty="0"/>
           </a:p>
@@ -868,7 +868,7 @@
           <a:p>
             <a:fld id="{D57F1E4F-1CFF-5643-939E-02111984F565}" type="slidenum">
               <a:rPr lang="en-US" dirty="0"/>
-              <a:t>‹N°›</a:t>
+              <a:t>‹#›</a:t>
             </a:fld>
             <a:endParaRPr lang="en-US" dirty="0"/>
           </a:p>
@@ -1096,7 +1096,7 @@
           <a:p>
             <a:fld id="{ACB945BD-B832-438F-9794-86FAF9DC2027}" type="datetime1">
               <a:rPr lang="en-US" smtClean="0"/>
-              <a:t>12/8/2015</a:t>
+              <a:t>12/15/16</a:t>
             </a:fld>
             <a:endParaRPr lang="en-US" dirty="0"/>
           </a:p>
@@ -1138,7 +1138,7 @@
           <a:p>
             <a:fld id="{D57F1E4F-1CFF-5643-939E-02111984F565}" type="slidenum">
               <a:rPr lang="en-US" dirty="0"/>
-              <a:t>‹N°›</a:t>
+              <a:t>‹#›</a:t>
             </a:fld>
             <a:endParaRPr lang="en-US" dirty="0"/>
           </a:p>
@@ -1285,7 +1285,7 @@
           <a:p>
             <a:fld id="{1274AFCD-D2AD-4C91-98A9-FDB209680D66}" type="datetime1">
               <a:rPr lang="en-US" smtClean="0"/>
-              <a:t>12/8/2015</a:t>
+              <a:t>12/15/16</a:t>
             </a:fld>
             <a:endParaRPr lang="en-US" dirty="0"/>
           </a:p>
@@ -1327,7 +1327,7 @@
           <a:p>
             <a:fld id="{D57F1E4F-1CFF-5643-939E-02111984F565}" type="slidenum">
               <a:rPr lang="en-US" dirty="0"/>
-              <a:t>‹N°›</a:t>
+              <a:t>‹#›</a:t>
             </a:fld>
             <a:endParaRPr lang="en-US" dirty="0"/>
           </a:p>
@@ -1548,7 +1548,7 @@
           <a:p>
             <a:fld id="{7381FAA0-3FF9-44B3-94D9-03C8A2166C7C}" type="datetime1">
               <a:rPr lang="en-US" smtClean="0"/>
-              <a:t>12/8/2015</a:t>
+              <a:t>12/15/16</a:t>
             </a:fld>
             <a:endParaRPr lang="en-US" dirty="0"/>
           </a:p>
@@ -1590,7 +1590,7 @@
           <a:p>
             <a:fld id="{D57F1E4F-1CFF-5643-939E-02111984F565}" type="slidenum">
               <a:rPr lang="en-US" dirty="0"/>
-              <a:t>‹N°›</a:t>
+              <a:t>‹#›</a:t>
             </a:fld>
             <a:endParaRPr lang="en-US" dirty="0"/>
           </a:p>
@@ -1875,7 +1875,7 @@
           <a:p>
             <a:fld id="{F769EEA7-6558-41EF-B7C6-A91CF4B2286A}" type="datetime1">
               <a:rPr lang="en-US" smtClean="0"/>
-              <a:t>12/8/2015</a:t>
+              <a:t>12/15/16</a:t>
             </a:fld>
             <a:endParaRPr lang="en-US" dirty="0"/>
           </a:p>
@@ -1917,7 +1917,7 @@
           <a:p>
             <a:fld id="{D57F1E4F-1CFF-5643-939E-02111984F565}" type="slidenum">
               <a:rPr lang="en-US" dirty="0"/>
-              <a:t>‹N°›</a:t>
+              <a:t>‹#›</a:t>
             </a:fld>
             <a:endParaRPr lang="en-US" dirty="0"/>
           </a:p>
@@ -2480,7 +2480,7 @@
           <a:p>
             <a:fld id="{4CE4BD85-82ED-49EB-9DBD-BBC9E8C9DC12}" type="datetime1">
               <a:rPr lang="en-US" smtClean="0"/>
-              <a:t>12/8/2015</a:t>
+              <a:t>12/15/16</a:t>
             </a:fld>
             <a:endParaRPr lang="en-US" dirty="0"/>
           </a:p>
@@ -2522,7 +2522,7 @@
           <a:p>
             <a:fld id="{D57F1E4F-1CFF-5643-939E-02111984F565}" type="slidenum">
               <a:rPr lang="en-US" dirty="0"/>
-              <a:t>‹N°›</a:t>
+              <a:t>‹#›</a:t>
             </a:fld>
             <a:endParaRPr lang="en-US" dirty="0"/>
           </a:p>
@@ -3322,7 +3322,7 @@
           <a:p>
             <a:fld id="{6BC53C1E-317A-4984-805E-B749D7F4E950}" type="datetime1">
               <a:rPr lang="en-US" smtClean="0"/>
-              <a:t>12/8/2015</a:t>
+              <a:t>12/15/16</a:t>
             </a:fld>
             <a:endParaRPr lang="en-US" dirty="0"/>
           </a:p>
@@ -3364,7 +3364,7 @@
           <a:p>
             <a:fld id="{D57F1E4F-1CFF-5643-939E-02111984F565}" type="slidenum">
               <a:rPr lang="en-US" dirty="0"/>
-              <a:t>‹N°›</a:t>
+              <a:t>‹#›</a:t>
             </a:fld>
             <a:endParaRPr lang="en-US" dirty="0"/>
           </a:p>
@@ -3487,7 +3487,7 @@
           <a:p>
             <a:fld id="{F1541179-F36C-45FB-BF05-576CE598AD5E}" type="datetime1">
               <a:rPr lang="en-US" smtClean="0"/>
-              <a:t>12/8/2015</a:t>
+              <a:t>12/15/16</a:t>
             </a:fld>
             <a:endParaRPr lang="en-US" dirty="0"/>
           </a:p>
@@ -3529,7 +3529,7 @@
           <a:p>
             <a:fld id="{D57F1E4F-1CFF-5643-939E-02111984F565}" type="slidenum">
               <a:rPr lang="en-US" dirty="0"/>
-              <a:t>‹N°›</a:t>
+              <a:t>‹#›</a:t>
             </a:fld>
             <a:endParaRPr lang="en-US" dirty="0"/>
           </a:p>
@@ -3662,7 +3662,7 @@
           <a:p>
             <a:fld id="{1452E859-5120-490F-BA2B-6A7031AEA6DD}" type="datetime1">
               <a:rPr lang="en-US" smtClean="0"/>
-              <a:t>12/8/2015</a:t>
+              <a:t>12/15/16</a:t>
             </a:fld>
             <a:endParaRPr lang="en-US" dirty="0"/>
           </a:p>
@@ -3704,7 +3704,7 @@
           <a:p>
             <a:fld id="{D57F1E4F-1CFF-5643-939E-02111984F565}" type="slidenum">
               <a:rPr lang="en-US" dirty="0"/>
-              <a:t>‹N°›</a:t>
+              <a:t>‹#›</a:t>
             </a:fld>
             <a:endParaRPr lang="en-US" dirty="0"/>
           </a:p>
@@ -3827,7 +3827,7 @@
           <a:p>
             <a:fld id="{9E91C1F3-CCCF-41BE-864F-0425C3139438}" type="datetime1">
               <a:rPr lang="en-US" smtClean="0"/>
-              <a:t>12/8/2015</a:t>
+              <a:t>12/15/16</a:t>
             </a:fld>
             <a:endParaRPr lang="en-US" dirty="0"/>
           </a:p>
@@ -3869,7 +3869,7 @@
           <a:p>
             <a:fld id="{D57F1E4F-1CFF-5643-939E-02111984F565}" type="slidenum">
               <a:rPr lang="en-US" dirty="0"/>
-              <a:t>‹N°›</a:t>
+              <a:t>‹#›</a:t>
             </a:fld>
             <a:endParaRPr lang="en-US" dirty="0"/>
           </a:p>
@@ -4066,7 +4066,7 @@
           <a:p>
             <a:fld id="{F6B991C2-3901-4AF2-98EE-931409B84DE2}" type="datetime1">
               <a:rPr lang="en-US" smtClean="0"/>
-              <a:t>12/8/2015</a:t>
+              <a:t>12/15/16</a:t>
             </a:fld>
             <a:endParaRPr lang="en-US" dirty="0"/>
           </a:p>
@@ -4108,7 +4108,7 @@
           <a:p>
             <a:fld id="{D57F1E4F-1CFF-5643-939E-02111984F565}" type="slidenum">
               <a:rPr lang="en-US" dirty="0"/>
-              <a:t>‹N°›</a:t>
+              <a:t>‹#›</a:t>
             </a:fld>
             <a:endParaRPr lang="en-US" dirty="0"/>
           </a:p>
@@ -4353,7 +4353,7 @@
           <a:p>
             <a:fld id="{0E6299F7-1BBE-4C5A-B359-D36F51D55589}" type="datetime1">
               <a:rPr lang="en-US" smtClean="0"/>
-              <a:t>12/8/2015</a:t>
+              <a:t>12/15/16</a:t>
             </a:fld>
             <a:endParaRPr lang="en-US" dirty="0"/>
           </a:p>
@@ -4395,7 +4395,7 @@
           <a:p>
             <a:fld id="{D57F1E4F-1CFF-5643-939E-02111984F565}" type="slidenum">
               <a:rPr lang="en-US" dirty="0"/>
-              <a:t>‹N°›</a:t>
+              <a:t>‹#›</a:t>
             </a:fld>
             <a:endParaRPr lang="en-US" dirty="0"/>
           </a:p>
@@ -4786,7 +4786,7 @@
           <a:p>
             <a:fld id="{6410AB36-E70B-469E-8F5C-D9AD08E30B0A}" type="datetime1">
               <a:rPr lang="en-US" smtClean="0"/>
-              <a:t>12/8/2015</a:t>
+              <a:t>12/15/16</a:t>
             </a:fld>
             <a:endParaRPr lang="en-US" dirty="0"/>
           </a:p>
@@ -4828,7 +4828,7 @@
           <a:p>
             <a:fld id="{D57F1E4F-1CFF-5643-939E-02111984F565}" type="slidenum">
               <a:rPr lang="en-US" dirty="0"/>
-              <a:t>‹N°›</a:t>
+              <a:t>‹#›</a:t>
             </a:fld>
             <a:endParaRPr lang="en-US" dirty="0"/>
           </a:p>
@@ -4899,7 +4899,7 @@
           <a:p>
             <a:fld id="{B81B622A-D58B-4801-8726-8C0FD6F327E4}" type="datetime1">
               <a:rPr lang="en-US" smtClean="0"/>
-              <a:t>12/8/2015</a:t>
+              <a:t>12/15/16</a:t>
             </a:fld>
             <a:endParaRPr lang="en-US" dirty="0"/>
           </a:p>
@@ -4941,7 +4941,7 @@
           <a:p>
             <a:fld id="{D57F1E4F-1CFF-5643-939E-02111984F565}" type="slidenum">
               <a:rPr lang="en-US" dirty="0"/>
-              <a:t>‹N°›</a:t>
+              <a:t>‹#›</a:t>
             </a:fld>
             <a:endParaRPr lang="en-US" dirty="0"/>
           </a:p>
@@ -4989,7 +4989,7 @@
           <a:p>
             <a:fld id="{BFCDB801-3F5D-4EDE-9F8F-05444B27E639}" type="datetime1">
               <a:rPr lang="en-US" smtClean="0"/>
-              <a:t>12/8/2015</a:t>
+              <a:t>12/15/16</a:t>
             </a:fld>
             <a:endParaRPr lang="en-US" dirty="0"/>
           </a:p>
@@ -5031,7 +5031,7 @@
           <a:p>
             <a:fld id="{D57F1E4F-1CFF-5643-939E-02111984F565}" type="slidenum">
               <a:rPr lang="en-US" dirty="0"/>
-              <a:t>‹N°›</a:t>
+              <a:t>‹#›</a:t>
             </a:fld>
             <a:endParaRPr lang="en-US" dirty="0"/>
           </a:p>
@@ -5263,7 +5263,7 @@
           <a:p>
             <a:fld id="{7198FA0D-8875-4F6E-B2AF-6B2DC58E689B}" type="datetime1">
               <a:rPr lang="en-US" smtClean="0"/>
-              <a:t>12/8/2015</a:t>
+              <a:t>12/15/16</a:t>
             </a:fld>
             <a:endParaRPr lang="en-US" dirty="0"/>
           </a:p>
@@ -5305,7 +5305,7 @@
           <a:p>
             <a:fld id="{D57F1E4F-1CFF-5643-939E-02111984F565}" type="slidenum">
               <a:rPr lang="en-US" dirty="0"/>
-              <a:t>‹N°›</a:t>
+              <a:t>‹#›</a:t>
             </a:fld>
             <a:endParaRPr lang="en-US" dirty="0"/>
           </a:p>
@@ -5533,7 +5533,7 @@
           <a:p>
             <a:fld id="{3BCA36F1-5119-432B-981E-A4608E8F11A2}" type="datetime1">
               <a:rPr lang="en-US" smtClean="0"/>
-              <a:t>12/8/2015</a:t>
+              <a:t>12/15/16</a:t>
             </a:fld>
             <a:endParaRPr lang="en-US" dirty="0"/>
           </a:p>
@@ -5575,7 +5575,7 @@
           <a:p>
             <a:fld id="{D57F1E4F-1CFF-5643-939E-02111984F565}" type="slidenum">
               <a:rPr lang="en-US" dirty="0"/>
-              <a:t>‹N°›</a:t>
+              <a:t>‹#›</a:t>
             </a:fld>
             <a:endParaRPr lang="en-US" dirty="0"/>
           </a:p>
@@ -5957,7 +5957,7 @@
           <a:p>
             <a:fld id="{82BA0AB9-1CC9-4CD0-B75C-4EB130BF7AED}" type="datetime1">
               <a:rPr lang="en-US" smtClean="0"/>
-              <a:t>12/8/2015</a:t>
+              <a:t>12/15/16</a:t>
             </a:fld>
             <a:endParaRPr lang="en-US" dirty="0"/>
           </a:p>
@@ -6036,7 +6036,7 @@
           <a:p>
             <a:fld id="{D57F1E4F-1CFF-5643-939E-02111984F565}" type="slidenum">
               <a:rPr lang="en-US" dirty="0"/>
-              <a:t>‹N°›</a:t>
+              <a:t>‹#›</a:t>
             </a:fld>
             <a:endParaRPr lang="en-US" dirty="0"/>
           </a:p>
@@ -6512,8 +6512,13 @@
             <a:pPr algn="ctr"/>
             <a:r>
               <a:rPr lang="fr-FR" dirty="0" smtClean="0"/>
-              <a:t>Alexis DUCERF – 2015</a:t>
-            </a:r>
+              <a:t>Alexis DUCERF – </a:t>
+            </a:r>
+            <a:r>
+              <a:rPr lang="fr-FR" dirty="0" smtClean="0"/>
+              <a:t>2016</a:t>
+            </a:r>
+            <a:endParaRPr lang="fr-FR" dirty="0" smtClean="0"/>
           </a:p>
           <a:p>
             <a:pPr algn="ctr"/>
@@ -6829,7 +6834,7 @@
         <p:spPr/>
         <p:txBody>
           <a:bodyPr>
-            <a:normAutofit lnSpcReduction="10000"/>
+            <a:normAutofit fontScale="92500" lnSpcReduction="10000"/>
           </a:bodyPr>
           <a:lstStyle/>
           <a:p>
@@ -7784,7 +7789,6 @@
               <a:rPr lang="fr-FR" dirty="0" smtClean="0"/>
               <a:t>&gt;</a:t>
             </a:r>
-            <a:endParaRPr lang="fr-FR" dirty="0" smtClean="0"/>
           </a:p>
           <a:p>
             <a:r>
@@ -8017,15 +8021,7 @@
                   <a:srgbClr val="FFC000"/>
                 </a:solidFill>
               </a:rPr>
-              <a:t>htmlentitie</a:t>
-            </a:r>
-            <a:r>
-              <a:rPr lang="fr-FR" dirty="0" err="1" smtClean="0">
-                <a:solidFill>
-                  <a:srgbClr val="FFC000"/>
-                </a:solidFill>
-              </a:rPr>
-              <a:t>s</a:t>
+              <a:t>htmlentities</a:t>
             </a:r>
             <a:r>
               <a:rPr lang="fr-FR" dirty="0" smtClean="0">
